--- a/08_java_class_advance/src/ATM3.pptx
+++ b/08_java_class_advance/src/ATM3.pptx
@@ -288,7 +288,7 @@
           <a:p>
             <a:fld id="{292A85BB-AC9C-4A15-A4D6-111E34DAA3EF}" type="datetimeFigureOut">
               <a:rPr lang="ko-KR" altLang="en-US" smtClean="0"/>
-              <a:t>2021-05-04</a:t>
+              <a:t>2021-05-06</a:t>
             </a:fld>
             <a:endParaRPr lang="ko-KR" altLang="en-US"/>
           </a:p>
@@ -458,7 +458,7 @@
           <a:p>
             <a:fld id="{292A85BB-AC9C-4A15-A4D6-111E34DAA3EF}" type="datetimeFigureOut">
               <a:rPr lang="ko-KR" altLang="en-US" smtClean="0"/>
-              <a:t>2021-05-04</a:t>
+              <a:t>2021-05-06</a:t>
             </a:fld>
             <a:endParaRPr lang="ko-KR" altLang="en-US"/>
           </a:p>
@@ -638,7 +638,7 @@
           <a:p>
             <a:fld id="{292A85BB-AC9C-4A15-A4D6-111E34DAA3EF}" type="datetimeFigureOut">
               <a:rPr lang="ko-KR" altLang="en-US" smtClean="0"/>
-              <a:t>2021-05-04</a:t>
+              <a:t>2021-05-06</a:t>
             </a:fld>
             <a:endParaRPr lang="ko-KR" altLang="en-US"/>
           </a:p>
@@ -808,7 +808,7 @@
           <a:p>
             <a:fld id="{292A85BB-AC9C-4A15-A4D6-111E34DAA3EF}" type="datetimeFigureOut">
               <a:rPr lang="ko-KR" altLang="en-US" smtClean="0"/>
-              <a:t>2021-05-04</a:t>
+              <a:t>2021-05-06</a:t>
             </a:fld>
             <a:endParaRPr lang="ko-KR" altLang="en-US"/>
           </a:p>
@@ -1054,7 +1054,7 @@
           <a:p>
             <a:fld id="{292A85BB-AC9C-4A15-A4D6-111E34DAA3EF}" type="datetimeFigureOut">
               <a:rPr lang="ko-KR" altLang="en-US" smtClean="0"/>
-              <a:t>2021-05-04</a:t>
+              <a:t>2021-05-06</a:t>
             </a:fld>
             <a:endParaRPr lang="ko-KR" altLang="en-US"/>
           </a:p>
@@ -1342,7 +1342,7 @@
           <a:p>
             <a:fld id="{292A85BB-AC9C-4A15-A4D6-111E34DAA3EF}" type="datetimeFigureOut">
               <a:rPr lang="ko-KR" altLang="en-US" smtClean="0"/>
-              <a:t>2021-05-04</a:t>
+              <a:t>2021-05-06</a:t>
             </a:fld>
             <a:endParaRPr lang="ko-KR" altLang="en-US"/>
           </a:p>
@@ -1764,7 +1764,7 @@
           <a:p>
             <a:fld id="{292A85BB-AC9C-4A15-A4D6-111E34DAA3EF}" type="datetimeFigureOut">
               <a:rPr lang="ko-KR" altLang="en-US" smtClean="0"/>
-              <a:t>2021-05-04</a:t>
+              <a:t>2021-05-06</a:t>
             </a:fld>
             <a:endParaRPr lang="ko-KR" altLang="en-US"/>
           </a:p>
@@ -1882,7 +1882,7 @@
           <a:p>
             <a:fld id="{292A85BB-AC9C-4A15-A4D6-111E34DAA3EF}" type="datetimeFigureOut">
               <a:rPr lang="ko-KR" altLang="en-US" smtClean="0"/>
-              <a:t>2021-05-04</a:t>
+              <a:t>2021-05-06</a:t>
             </a:fld>
             <a:endParaRPr lang="ko-KR" altLang="en-US"/>
           </a:p>
@@ -1977,7 +1977,7 @@
           <a:p>
             <a:fld id="{292A85BB-AC9C-4A15-A4D6-111E34DAA3EF}" type="datetimeFigureOut">
               <a:rPr lang="ko-KR" altLang="en-US" smtClean="0"/>
-              <a:t>2021-05-04</a:t>
+              <a:t>2021-05-06</a:t>
             </a:fld>
             <a:endParaRPr lang="ko-KR" altLang="en-US"/>
           </a:p>
@@ -2254,7 +2254,7 @@
           <a:p>
             <a:fld id="{292A85BB-AC9C-4A15-A4D6-111E34DAA3EF}" type="datetimeFigureOut">
               <a:rPr lang="ko-KR" altLang="en-US" smtClean="0"/>
-              <a:t>2021-05-04</a:t>
+              <a:t>2021-05-06</a:t>
             </a:fld>
             <a:endParaRPr lang="ko-KR" altLang="en-US"/>
           </a:p>
@@ -2507,7 +2507,7 @@
           <a:p>
             <a:fld id="{292A85BB-AC9C-4A15-A4D6-111E34DAA3EF}" type="datetimeFigureOut">
               <a:rPr lang="ko-KR" altLang="en-US" smtClean="0"/>
-              <a:t>2021-05-04</a:t>
+              <a:t>2021-05-06</a:t>
             </a:fld>
             <a:endParaRPr lang="ko-KR" altLang="en-US"/>
           </a:p>
@@ -2720,7 +2720,7 @@
           <a:p>
             <a:fld id="{292A85BB-AC9C-4A15-A4D6-111E34DAA3EF}" type="datetimeFigureOut">
               <a:rPr lang="ko-KR" altLang="en-US" smtClean="0"/>
-              <a:t>2021-05-04</a:t>
+              <a:t>2021-05-06</a:t>
             </a:fld>
             <a:endParaRPr lang="ko-KR" altLang="en-US"/>
           </a:p>
@@ -3688,7 +3688,7 @@
         </p:nvSpPr>
         <p:spPr>
           <a:xfrm>
-            <a:off x="2233409" y="3716654"/>
+            <a:off x="2483768" y="3716654"/>
             <a:ext cx="6264696" cy="612068"/>
           </a:xfrm>
           <a:prstGeom prst="rect">
@@ -3715,26 +3715,50 @@
           <a:p>
             <a:pPr algn="ctr"/>
             <a:r>
-              <a:rPr lang="ko-KR" altLang="en-US" dirty="0" smtClean="0"/>
+              <a:rPr lang="ko-KR" altLang="en-US" dirty="0" smtClean="0">
+                <a:solidFill>
+                  <a:srgbClr val="7030A0"/>
+                </a:solidFill>
+              </a:rPr>
               <a:t>아이디</a:t>
             </a:r>
             <a:r>
-              <a:rPr lang="en-US" altLang="ko-KR" dirty="0" smtClean="0"/>
+              <a:rPr lang="en-US" altLang="ko-KR" dirty="0" smtClean="0">
+                <a:solidFill>
+                  <a:srgbClr val="7030A0"/>
+                </a:solidFill>
+              </a:rPr>
               <a:t>, </a:t>
             </a:r>
             <a:r>
-              <a:rPr lang="ko-KR" altLang="en-US" dirty="0" smtClean="0"/>
+              <a:rPr lang="ko-KR" altLang="en-US" dirty="0" smtClean="0">
+                <a:solidFill>
+                  <a:srgbClr val="7030A0"/>
+                </a:solidFill>
+              </a:rPr>
               <a:t>패스워드 </a:t>
             </a:r>
             <a:r>
-              <a:rPr lang="ko-KR" altLang="en-US" dirty="0" err="1" smtClean="0"/>
+              <a:rPr lang="ko-KR" altLang="en-US" dirty="0" err="1" smtClean="0">
+                <a:solidFill>
+                  <a:srgbClr val="7030A0"/>
+                </a:solidFill>
+              </a:rPr>
               <a:t>계좌수를</a:t>
             </a:r>
             <a:r>
-              <a:rPr lang="ko-KR" altLang="en-US" dirty="0" smtClean="0"/>
+              <a:rPr lang="ko-KR" altLang="en-US" dirty="0" smtClean="0">
+                <a:solidFill>
+                  <a:srgbClr val="7030A0"/>
+                </a:solidFill>
+              </a:rPr>
               <a:t> 저장 하며</a:t>
             </a:r>
-            <a:endParaRPr lang="en-US" altLang="ko-KR" dirty="0" smtClean="0"/>
+            <a:endParaRPr lang="en-US" altLang="ko-KR" dirty="0" smtClean="0">
+              <a:solidFill>
+                <a:srgbClr val="7030A0"/>
+              </a:solidFill>
+            </a:endParaRPr>
           </a:p>
           <a:p>
             <a:pPr algn="ctr"/>
@@ -3962,8 +3986,16 @@
           <a:p>
             <a:pPr algn="ctr"/>
             <a:r>
+              <a:rPr lang="ko-KR" altLang="en-US" dirty="0" smtClean="0">
+                <a:solidFill>
+                  <a:srgbClr val="7030A0"/>
+                </a:solidFill>
+              </a:rPr>
+              <a:t>계좌번화와 돈을 저장한다</a:t>
+            </a:r>
+            <a:r>
               <a:rPr lang="ko-KR" altLang="en-US" dirty="0" smtClean="0"/>
-              <a:t>계좌번화와 돈을 저장한다 </a:t>
+              <a:t> </a:t>
             </a:r>
             <a:r>
               <a:rPr lang="en-US" altLang="ko-KR" dirty="0" smtClean="0"/>
